--- a/1203(numa)進捗.pptx
+++ b/1203(numa)進捗.pptx
@@ -5,7 +5,7 @@
     <p:sldMasterId id="2147483648" r:id="rId1"/>
   </p:sldMasterIdLst>
   <p:notesMasterIdLst>
-    <p:notesMasterId r:id="rId11"/>
+    <p:notesMasterId r:id="rId17"/>
   </p:notesMasterIdLst>
   <p:sldIdLst>
     <p:sldId id="256" r:id="rId2"/>
@@ -16,7 +16,13 @@
     <p:sldId id="261" r:id="rId7"/>
     <p:sldId id="262" r:id="rId8"/>
     <p:sldId id="263" r:id="rId9"/>
-    <p:sldId id="258" r:id="rId10"/>
+    <p:sldId id="265" r:id="rId10"/>
+    <p:sldId id="267" r:id="rId11"/>
+    <p:sldId id="266" r:id="rId12"/>
+    <p:sldId id="268" r:id="rId13"/>
+    <p:sldId id="269" r:id="rId14"/>
+    <p:sldId id="270" r:id="rId15"/>
+    <p:sldId id="258" r:id="rId16"/>
   </p:sldIdLst>
   <p:sldSz cx="9144000" cy="6858000" type="screen4x3"/>
   <p:notesSz cx="6858000" cy="9144000"/>
@@ -128,6 +134,12 @@
             <p14:sldId id="261"/>
             <p14:sldId id="262"/>
             <p14:sldId id="263"/>
+            <p14:sldId id="265"/>
+            <p14:sldId id="267"/>
+            <p14:sldId id="266"/>
+            <p14:sldId id="268"/>
+            <p14:sldId id="269"/>
+            <p14:sldId id="270"/>
             <p14:sldId id="258"/>
           </p14:sldIdLst>
         </p14:section>
@@ -3899,7 +3911,26 @@
             </a:r>
             <a:r>
               <a:rPr lang="ja-JP" altLang="en-US" dirty="0"/>
-              <a:t>に準拠したネットワーク学習システムの開発</a:t>
+              <a:t>に準拠した</a:t>
+            </a:r>
+            <a:r>
+              <a:rPr lang="ja-JP" altLang="en-US" dirty="0" smtClean="0"/>
+              <a:t>ネットワーク</a:t>
+            </a:r>
+            <a:r>
+              <a:rPr lang="en-US" altLang="ja-JP" smtClean="0"/>
+              <a:t/>
+            </a:r>
+            <a:br>
+              <a:rPr lang="en-US" altLang="ja-JP" smtClean="0"/>
+            </a:br>
+            <a:r>
+              <a:rPr lang="ja-JP" altLang="en-US" smtClean="0"/>
+              <a:t>学習</a:t>
+            </a:r>
+            <a:r>
+              <a:rPr lang="ja-JP" altLang="en-US" dirty="0"/>
+              <a:t>システムの開発</a:t>
             </a:r>
             <a:endParaRPr kumimoji="1" lang="ja-JP" altLang="en-US" dirty="0"/>
           </a:p>
@@ -3939,6 +3970,827 @@
     <p:extLst>
       <p:ext uri="{BB962C8B-B14F-4D97-AF65-F5344CB8AC3E}">
         <p14:creationId xmlns:p14="http://schemas.microsoft.com/office/powerpoint/2010/main" val="920729019"/>
+      </p:ext>
+    </p:extLst>
+  </p:cSld>
+  <p:clrMapOvr>
+    <a:masterClrMapping/>
+  </p:clrMapOvr>
+</p:sld>
+</file>
+
+<file path=ppt/slides/slide10.xml><?xml version="1.0" encoding="utf-8"?>
+<p:sld xmlns:a="http://schemas.openxmlformats.org/drawingml/2006/main" xmlns:r="http://schemas.openxmlformats.org/officeDocument/2006/relationships" xmlns:p="http://schemas.openxmlformats.org/presentationml/2006/main">
+  <p:cSld>
+    <p:spTree>
+      <p:nvGrpSpPr>
+        <p:cNvPr id="1" name=""/>
+        <p:cNvGrpSpPr/>
+        <p:nvPr/>
+      </p:nvGrpSpPr>
+      <p:grpSpPr>
+        <a:xfrm>
+          <a:off x="0" y="0"/>
+          <a:ext cx="0" cy="0"/>
+          <a:chOff x="0" y="0"/>
+          <a:chExt cx="0" cy="0"/>
+        </a:xfrm>
+      </p:grpSpPr>
+      <p:sp>
+        <p:nvSpPr>
+          <p:cNvPr id="2" name="タイトル 1"/>
+          <p:cNvSpPr>
+            <a:spLocks noGrp="1"/>
+          </p:cNvSpPr>
+          <p:nvPr>
+            <p:ph type="title"/>
+          </p:nvPr>
+        </p:nvSpPr>
+        <p:spPr/>
+        <p:txBody>
+          <a:bodyPr/>
+          <a:lstStyle/>
+          <a:p>
+            <a:r>
+              <a:rPr kumimoji="1" lang="en-US" altLang="ja-JP" dirty="0" smtClean="0"/>
+              <a:t>Moodle</a:t>
+            </a:r>
+            <a:endParaRPr kumimoji="1" lang="ja-JP" altLang="en-US" dirty="0"/>
+          </a:p>
+        </p:txBody>
+      </p:sp>
+      <p:sp>
+        <p:nvSpPr>
+          <p:cNvPr id="3" name="コンテンツ プレースホルダー 2"/>
+          <p:cNvSpPr>
+            <a:spLocks noGrp="1"/>
+          </p:cNvSpPr>
+          <p:nvPr>
+            <p:ph idx="1"/>
+          </p:nvPr>
+        </p:nvSpPr>
+        <p:spPr/>
+        <p:txBody>
+          <a:bodyPr/>
+          <a:lstStyle/>
+          <a:p>
+            <a:r>
+              <a:rPr kumimoji="1" lang="en-US" altLang="ja-JP" dirty="0" smtClean="0"/>
+              <a:t>Moodle</a:t>
+            </a:r>
+            <a:r>
+              <a:rPr kumimoji="1" lang="ja-JP" altLang="en-US" dirty="0" smtClean="0"/>
+              <a:t>では、外部ツール設定をすることで</a:t>
+            </a:r>
+            <a:r>
+              <a:rPr lang="ja-JP" altLang="en-US" dirty="0" smtClean="0"/>
+              <a:t>、</a:t>
+            </a:r>
+            <a:r>
+              <a:rPr lang="en-US" altLang="ja-JP" dirty="0" smtClean="0"/>
+              <a:t>LTI</a:t>
+            </a:r>
+            <a:r>
+              <a:rPr lang="ja-JP" altLang="en-US" dirty="0" smtClean="0"/>
+              <a:t>化しているアプリとの連携を取ることが可能であった。</a:t>
+            </a:r>
+            <a:endParaRPr lang="en-US" altLang="ja-JP" dirty="0" smtClean="0"/>
+          </a:p>
+          <a:p>
+            <a:endParaRPr lang="en-US" altLang="ja-JP" dirty="0"/>
+          </a:p>
+        </p:txBody>
+      </p:sp>
+      <p:sp>
+        <p:nvSpPr>
+          <p:cNvPr id="4" name="スライド番号プレースホルダー 3"/>
+          <p:cNvSpPr>
+            <a:spLocks noGrp="1"/>
+          </p:cNvSpPr>
+          <p:nvPr>
+            <p:ph type="sldNum" sz="quarter" idx="12"/>
+          </p:nvPr>
+        </p:nvSpPr>
+        <p:spPr/>
+        <p:txBody>
+          <a:bodyPr/>
+          <a:lstStyle/>
+          <a:p>
+            <a:pPr algn="ctr"/>
+            <a:fld id="{CA23F248-F353-4F36-A746-B1953A38AE2D}" type="slidenum">
+              <a:rPr lang="ja-JP" altLang="en-US" smtClean="0"/>
+              <a:pPr algn="ctr"/>
+              <a:t>10</a:t>
+            </a:fld>
+            <a:endParaRPr lang="ja-JP" altLang="en-US" dirty="0"/>
+          </a:p>
+        </p:txBody>
+      </p:sp>
+    </p:spTree>
+    <p:extLst>
+      <p:ext uri="{BB962C8B-B14F-4D97-AF65-F5344CB8AC3E}">
+        <p14:creationId xmlns:p14="http://schemas.microsoft.com/office/powerpoint/2010/main" val="1706351298"/>
+      </p:ext>
+    </p:extLst>
+  </p:cSld>
+  <p:clrMapOvr>
+    <a:masterClrMapping/>
+  </p:clrMapOvr>
+</p:sld>
+</file>
+
+<file path=ppt/slides/slide11.xml><?xml version="1.0" encoding="utf-8"?>
+<p:sld xmlns:a="http://schemas.openxmlformats.org/drawingml/2006/main" xmlns:r="http://schemas.openxmlformats.org/officeDocument/2006/relationships" xmlns:p="http://schemas.openxmlformats.org/presentationml/2006/main">
+  <p:cSld>
+    <p:spTree>
+      <p:nvGrpSpPr>
+        <p:cNvPr id="1" name=""/>
+        <p:cNvGrpSpPr/>
+        <p:nvPr/>
+      </p:nvGrpSpPr>
+      <p:grpSpPr>
+        <a:xfrm>
+          <a:off x="0" y="0"/>
+          <a:ext cx="0" cy="0"/>
+          <a:chOff x="0" y="0"/>
+          <a:chExt cx="0" cy="0"/>
+        </a:xfrm>
+      </p:grpSpPr>
+      <p:sp>
+        <p:nvSpPr>
+          <p:cNvPr id="2" name="タイトル 1"/>
+          <p:cNvSpPr>
+            <a:spLocks noGrp="1"/>
+          </p:cNvSpPr>
+          <p:nvPr>
+            <p:ph type="title"/>
+          </p:nvPr>
+        </p:nvSpPr>
+        <p:spPr/>
+        <p:txBody>
+          <a:bodyPr/>
+          <a:lstStyle/>
+          <a:p>
+            <a:r>
+              <a:rPr kumimoji="1" lang="en-US" altLang="ja-JP" dirty="0" smtClean="0"/>
+              <a:t>Moodle</a:t>
+            </a:r>
+            <a:r>
+              <a:rPr kumimoji="1" lang="ja-JP" altLang="en-US" dirty="0" smtClean="0"/>
+              <a:t>での起動</a:t>
+            </a:r>
+            <a:endParaRPr kumimoji="1" lang="ja-JP" altLang="en-US" dirty="0"/>
+          </a:p>
+        </p:txBody>
+      </p:sp>
+      <p:pic>
+        <p:nvPicPr>
+          <p:cNvPr id="5" name="コンテンツ プレースホルダー 4"/>
+          <p:cNvPicPr>
+            <a:picLocks noGrp="1" noChangeAspect="1"/>
+          </p:cNvPicPr>
+          <p:nvPr>
+            <p:ph idx="1"/>
+          </p:nvPr>
+        </p:nvPicPr>
+        <p:blipFill>
+          <a:blip r:embed="rId2">
+            <a:extLst>
+              <a:ext uri="{28A0092B-C50C-407E-A947-70E740481C1C}">
+                <a14:useLocalDpi xmlns:a14="http://schemas.microsoft.com/office/drawing/2010/main" val="0"/>
+              </a:ext>
+            </a:extLst>
+          </a:blip>
+          <a:stretch>
+            <a:fillRect/>
+          </a:stretch>
+        </p:blipFill>
+        <p:spPr>
+          <a:xfrm>
+            <a:off x="146226" y="1417638"/>
+            <a:ext cx="8818262" cy="4747666"/>
+          </a:xfrm>
+        </p:spPr>
+      </p:pic>
+      <p:sp>
+        <p:nvSpPr>
+          <p:cNvPr id="4" name="スライド番号プレースホルダー 3"/>
+          <p:cNvSpPr>
+            <a:spLocks noGrp="1"/>
+          </p:cNvSpPr>
+          <p:nvPr>
+            <p:ph type="sldNum" sz="quarter" idx="12"/>
+          </p:nvPr>
+        </p:nvSpPr>
+        <p:spPr/>
+        <p:txBody>
+          <a:bodyPr/>
+          <a:lstStyle/>
+          <a:p>
+            <a:pPr algn="ctr"/>
+            <a:fld id="{CA23F248-F353-4F36-A746-B1953A38AE2D}" type="slidenum">
+              <a:rPr lang="ja-JP" altLang="en-US" smtClean="0"/>
+              <a:pPr algn="ctr"/>
+              <a:t>11</a:t>
+            </a:fld>
+            <a:endParaRPr lang="ja-JP" altLang="en-US" dirty="0"/>
+          </a:p>
+        </p:txBody>
+      </p:sp>
+    </p:spTree>
+    <p:extLst>
+      <p:ext uri="{BB962C8B-B14F-4D97-AF65-F5344CB8AC3E}">
+        <p14:creationId xmlns:p14="http://schemas.microsoft.com/office/powerpoint/2010/main" val="308249712"/>
+      </p:ext>
+    </p:extLst>
+  </p:cSld>
+  <p:clrMapOvr>
+    <a:masterClrMapping/>
+  </p:clrMapOvr>
+</p:sld>
+</file>
+
+<file path=ppt/slides/slide12.xml><?xml version="1.0" encoding="utf-8"?>
+<p:sld xmlns:a="http://schemas.openxmlformats.org/drawingml/2006/main" xmlns:r="http://schemas.openxmlformats.org/officeDocument/2006/relationships" xmlns:p="http://schemas.openxmlformats.org/presentationml/2006/main">
+  <p:cSld>
+    <p:spTree>
+      <p:nvGrpSpPr>
+        <p:cNvPr id="1" name=""/>
+        <p:cNvGrpSpPr/>
+        <p:nvPr/>
+      </p:nvGrpSpPr>
+      <p:grpSpPr>
+        <a:xfrm>
+          <a:off x="0" y="0"/>
+          <a:ext cx="0" cy="0"/>
+          <a:chOff x="0" y="0"/>
+          <a:chExt cx="0" cy="0"/>
+        </a:xfrm>
+      </p:grpSpPr>
+      <p:sp>
+        <p:nvSpPr>
+          <p:cNvPr id="2" name="タイトル 1"/>
+          <p:cNvSpPr>
+            <a:spLocks noGrp="1"/>
+          </p:cNvSpPr>
+          <p:nvPr>
+            <p:ph type="title"/>
+          </p:nvPr>
+        </p:nvSpPr>
+        <p:spPr/>
+        <p:txBody>
+          <a:bodyPr/>
+          <a:lstStyle/>
+          <a:p>
+            <a:r>
+              <a:rPr kumimoji="1" lang="ja-JP" altLang="en-US" dirty="0" smtClean="0"/>
+              <a:t>前回のエラー</a:t>
+            </a:r>
+            <a:endParaRPr kumimoji="1" lang="ja-JP" altLang="en-US" dirty="0"/>
+          </a:p>
+        </p:txBody>
+      </p:sp>
+      <p:sp>
+        <p:nvSpPr>
+          <p:cNvPr id="3" name="コンテンツ プレースホルダー 2"/>
+          <p:cNvSpPr>
+            <a:spLocks noGrp="1"/>
+          </p:cNvSpPr>
+          <p:nvPr>
+            <p:ph idx="1"/>
+          </p:nvPr>
+        </p:nvSpPr>
+        <p:spPr/>
+        <p:txBody>
+          <a:bodyPr/>
+          <a:lstStyle/>
+          <a:p>
+            <a:pPr marL="0" indent="0">
+              <a:spcBef>
+                <a:spcPts val="0"/>
+              </a:spcBef>
+              <a:buNone/>
+            </a:pPr>
+            <a:r>
+              <a:rPr lang="ja-JP" altLang="en-US" dirty="0" smtClean="0"/>
+              <a:t>・</a:t>
+            </a:r>
+            <a:r>
+              <a:rPr lang="en-US" altLang="ja-JP" dirty="0"/>
+              <a:t> 401 </a:t>
+            </a:r>
+            <a:r>
+              <a:rPr lang="en-US" altLang="ja-JP" dirty="0" smtClean="0"/>
+              <a:t>Unauthorized</a:t>
+            </a:r>
+            <a:r>
+              <a:rPr lang="ja-JP" altLang="en-US" dirty="0" smtClean="0"/>
+              <a:t> </a:t>
+            </a:r>
+            <a:r>
+              <a:rPr lang="en-US" altLang="ja-JP" dirty="0" smtClean="0"/>
+              <a:t>Invalid </a:t>
+            </a:r>
+            <a:r>
+              <a:rPr lang="en-US" altLang="ja-JP" dirty="0"/>
+              <a:t>authorization </a:t>
+            </a:r>
+            <a:r>
+              <a:rPr lang="en-US" altLang="ja-JP" dirty="0" smtClean="0"/>
+              <a:t>header</a:t>
+            </a:r>
+          </a:p>
+          <a:p>
+            <a:pPr marL="0" indent="0">
+              <a:spcBef>
+                <a:spcPts val="0"/>
+              </a:spcBef>
+              <a:buNone/>
+            </a:pPr>
+            <a:r>
+              <a:rPr lang="ja-JP" altLang="en-US" dirty="0"/>
+              <a:t>　</a:t>
+            </a:r>
+            <a:r>
+              <a:rPr lang="ja-JP" altLang="en-US" dirty="0" smtClean="0"/>
+              <a:t>ー</a:t>
+            </a:r>
+            <a:r>
+              <a:rPr lang="ja-JP" altLang="en-US" sz="2400" dirty="0" smtClean="0"/>
+              <a:t>ヘッダーが正しくないのではなく、ヘッダーが送られていないことで起きていたエラーだった</a:t>
+            </a:r>
+            <a:r>
+              <a:rPr lang="ja-JP" altLang="en-US" dirty="0" smtClean="0"/>
+              <a:t>。</a:t>
+            </a:r>
+            <a:endParaRPr lang="en-US" altLang="ja-JP" dirty="0"/>
+          </a:p>
+        </p:txBody>
+      </p:sp>
+      <p:sp>
+        <p:nvSpPr>
+          <p:cNvPr id="4" name="スライド番号プレースホルダー 3"/>
+          <p:cNvSpPr>
+            <a:spLocks noGrp="1"/>
+          </p:cNvSpPr>
+          <p:nvPr>
+            <p:ph type="sldNum" sz="quarter" idx="12"/>
+          </p:nvPr>
+        </p:nvSpPr>
+        <p:spPr/>
+        <p:txBody>
+          <a:bodyPr/>
+          <a:lstStyle/>
+          <a:p>
+            <a:pPr algn="ctr"/>
+            <a:fld id="{CA23F248-F353-4F36-A746-B1953A38AE2D}" type="slidenum">
+              <a:rPr lang="ja-JP" altLang="en-US" smtClean="0"/>
+              <a:pPr algn="ctr"/>
+              <a:t>12</a:t>
+            </a:fld>
+            <a:endParaRPr lang="ja-JP" altLang="en-US" dirty="0"/>
+          </a:p>
+        </p:txBody>
+      </p:sp>
+    </p:spTree>
+    <p:extLst>
+      <p:ext uri="{BB962C8B-B14F-4D97-AF65-F5344CB8AC3E}">
+        <p14:creationId xmlns:p14="http://schemas.microsoft.com/office/powerpoint/2010/main" val="1799774107"/>
+      </p:ext>
+    </p:extLst>
+  </p:cSld>
+  <p:clrMapOvr>
+    <a:masterClrMapping/>
+  </p:clrMapOvr>
+</p:sld>
+</file>
+
+<file path=ppt/slides/slide13.xml><?xml version="1.0" encoding="utf-8"?>
+<p:sld xmlns:a="http://schemas.openxmlformats.org/drawingml/2006/main" xmlns:r="http://schemas.openxmlformats.org/officeDocument/2006/relationships" xmlns:p="http://schemas.openxmlformats.org/presentationml/2006/main">
+  <p:cSld>
+    <p:spTree>
+      <p:nvGrpSpPr>
+        <p:cNvPr id="1" name=""/>
+        <p:cNvGrpSpPr/>
+        <p:nvPr/>
+      </p:nvGrpSpPr>
+      <p:grpSpPr>
+        <a:xfrm>
+          <a:off x="0" y="0"/>
+          <a:ext cx="0" cy="0"/>
+          <a:chOff x="0" y="0"/>
+          <a:chExt cx="0" cy="0"/>
+        </a:xfrm>
+      </p:grpSpPr>
+      <p:sp>
+        <p:nvSpPr>
+          <p:cNvPr id="2" name="タイトル 1"/>
+          <p:cNvSpPr>
+            <a:spLocks noGrp="1"/>
+          </p:cNvSpPr>
+          <p:nvPr>
+            <p:ph type="title"/>
+          </p:nvPr>
+        </p:nvSpPr>
+        <p:spPr/>
+        <p:txBody>
+          <a:bodyPr/>
+          <a:lstStyle/>
+          <a:p>
+            <a:r>
+              <a:rPr kumimoji="1" lang="ja-JP" altLang="en-US" dirty="0" smtClean="0"/>
+              <a:t>原因２</a:t>
+            </a:r>
+            <a:endParaRPr kumimoji="1" lang="ja-JP" altLang="en-US" dirty="0"/>
+          </a:p>
+        </p:txBody>
+      </p:sp>
+      <p:sp>
+        <p:nvSpPr>
+          <p:cNvPr id="3" name="コンテンツ プレースホルダー 2"/>
+          <p:cNvSpPr>
+            <a:spLocks noGrp="1"/>
+          </p:cNvSpPr>
+          <p:nvPr>
+            <p:ph idx="1"/>
+          </p:nvPr>
+        </p:nvSpPr>
+        <p:spPr/>
+        <p:txBody>
+          <a:bodyPr>
+            <a:normAutofit/>
+          </a:bodyPr>
+          <a:lstStyle/>
+          <a:p>
+            <a:r>
+              <a:rPr lang="ja-JP" altLang="en-US" sz="2800" dirty="0" smtClean="0"/>
+              <a:t>ボタンを押した時、ヘッダーなどの情報を送信する関数を呼び出していた、しかし関数が呼び出された時に、変数が初期化されていた。</a:t>
+            </a:r>
+            <a:r>
+              <a:rPr lang="en-US" altLang="ja-JP" sz="2800" dirty="0" smtClean="0"/>
+              <a:t/>
+            </a:r>
+            <a:br>
+              <a:rPr lang="en-US" altLang="ja-JP" sz="2800" dirty="0" smtClean="0"/>
+            </a:br>
+            <a:r>
+              <a:rPr lang="ja-JP" altLang="en-US" sz="2800" dirty="0" smtClean="0"/>
+              <a:t>　ー</a:t>
+            </a:r>
+            <a:r>
+              <a:rPr lang="ja-JP" altLang="en-US" sz="2400" dirty="0" smtClean="0"/>
+              <a:t>これにより、情報を何も入れないまま送信していた。</a:t>
+            </a:r>
+            <a:r>
+              <a:rPr lang="en-US" altLang="ja-JP" sz="2400" dirty="0" smtClean="0"/>
+              <a:t/>
+            </a:r>
+            <a:br>
+              <a:rPr lang="en-US" altLang="ja-JP" sz="2400" dirty="0" smtClean="0"/>
+            </a:br>
+            <a:endParaRPr lang="en-US" altLang="ja-JP" sz="2800" dirty="0" smtClean="0"/>
+          </a:p>
+          <a:p>
+            <a:r>
+              <a:rPr lang="ja-JP" altLang="en-US" sz="2800" dirty="0" smtClean="0"/>
+              <a:t>情報などを入れておく変数をグローバル変数にすることで、再度呼び直しても情報を保持し、この問題を対処した。</a:t>
+            </a:r>
+            <a:endParaRPr lang="en-US" altLang="ja-JP" sz="2800" dirty="0" smtClean="0"/>
+          </a:p>
+        </p:txBody>
+      </p:sp>
+      <p:sp>
+        <p:nvSpPr>
+          <p:cNvPr id="4" name="スライド番号プレースホルダー 3"/>
+          <p:cNvSpPr>
+            <a:spLocks noGrp="1"/>
+          </p:cNvSpPr>
+          <p:nvPr>
+            <p:ph type="sldNum" sz="quarter" idx="12"/>
+          </p:nvPr>
+        </p:nvSpPr>
+        <p:spPr/>
+        <p:txBody>
+          <a:bodyPr/>
+          <a:lstStyle/>
+          <a:p>
+            <a:pPr algn="ctr"/>
+            <a:fld id="{CA23F248-F353-4F36-A746-B1953A38AE2D}" type="slidenum">
+              <a:rPr lang="ja-JP" altLang="en-US" smtClean="0"/>
+              <a:pPr algn="ctr"/>
+              <a:t>13</a:t>
+            </a:fld>
+            <a:endParaRPr lang="ja-JP" altLang="en-US" dirty="0"/>
+          </a:p>
+        </p:txBody>
+      </p:sp>
+    </p:spTree>
+    <p:extLst>
+      <p:ext uri="{BB962C8B-B14F-4D97-AF65-F5344CB8AC3E}">
+        <p14:creationId xmlns:p14="http://schemas.microsoft.com/office/powerpoint/2010/main" val="1067798806"/>
+      </p:ext>
+    </p:extLst>
+  </p:cSld>
+  <p:clrMapOvr>
+    <a:masterClrMapping/>
+  </p:clrMapOvr>
+</p:sld>
+</file>
+
+<file path=ppt/slides/slide14.xml><?xml version="1.0" encoding="utf-8"?>
+<p:sld xmlns:a="http://schemas.openxmlformats.org/drawingml/2006/main" xmlns:r="http://schemas.openxmlformats.org/officeDocument/2006/relationships" xmlns:p="http://schemas.openxmlformats.org/presentationml/2006/main">
+  <p:cSld>
+    <p:spTree>
+      <p:nvGrpSpPr>
+        <p:cNvPr id="1" name=""/>
+        <p:cNvGrpSpPr/>
+        <p:nvPr/>
+      </p:nvGrpSpPr>
+      <p:grpSpPr>
+        <a:xfrm>
+          <a:off x="0" y="0"/>
+          <a:ext cx="0" cy="0"/>
+          <a:chOff x="0" y="0"/>
+          <a:chExt cx="0" cy="0"/>
+        </a:xfrm>
+      </p:grpSpPr>
+      <p:sp>
+        <p:nvSpPr>
+          <p:cNvPr id="2" name="タイトル 1"/>
+          <p:cNvSpPr>
+            <a:spLocks noGrp="1"/>
+          </p:cNvSpPr>
+          <p:nvPr>
+            <p:ph type="title"/>
+          </p:nvPr>
+        </p:nvSpPr>
+        <p:spPr/>
+        <p:txBody>
+          <a:bodyPr/>
+          <a:lstStyle/>
+          <a:p>
+            <a:r>
+              <a:rPr kumimoji="1" lang="ja-JP" altLang="en-US" dirty="0" smtClean="0"/>
+              <a:t>新たなエラー</a:t>
+            </a:r>
+            <a:endParaRPr kumimoji="1" lang="ja-JP" altLang="en-US" dirty="0"/>
+          </a:p>
+        </p:txBody>
+      </p:sp>
+      <p:sp>
+        <p:nvSpPr>
+          <p:cNvPr id="3" name="コンテンツ プレースホルダー 2"/>
+          <p:cNvSpPr>
+            <a:spLocks noGrp="1"/>
+          </p:cNvSpPr>
+          <p:nvPr>
+            <p:ph idx="1"/>
+          </p:nvPr>
+        </p:nvSpPr>
+        <p:spPr/>
+        <p:txBody>
+          <a:bodyPr/>
+          <a:lstStyle/>
+          <a:p>
+            <a:r>
+              <a:rPr lang="en-US" altLang="ja-JP" dirty="0"/>
+              <a:t>Message signature not </a:t>
+            </a:r>
+            <a:r>
+              <a:rPr lang="en-US" altLang="ja-JP" dirty="0" smtClean="0"/>
+              <a:t>valid</a:t>
+            </a:r>
+            <a:br>
+              <a:rPr lang="en-US" altLang="ja-JP" dirty="0" smtClean="0"/>
+            </a:br>
+            <a:r>
+              <a:rPr lang="ja-JP" altLang="en-US" sz="2400" dirty="0" smtClean="0"/>
+              <a:t>ー署名に使う</a:t>
+            </a:r>
+            <a:r>
+              <a:rPr lang="en-US" altLang="ja-JP" sz="2400" dirty="0" smtClean="0"/>
+              <a:t>signature</a:t>
+            </a:r>
+            <a:r>
+              <a:rPr lang="ja-JP" altLang="en-US" sz="2400" dirty="0" smtClean="0"/>
+              <a:t>が正しくないと言われた</a:t>
+            </a:r>
+            <a:r>
+              <a:rPr lang="ja-JP" altLang="en-US" dirty="0" smtClean="0"/>
+              <a:t>。</a:t>
+            </a:r>
+            <a:r>
+              <a:rPr lang="en-US" altLang="ja-JP" dirty="0" smtClean="0"/>
+              <a:t/>
+            </a:r>
+            <a:br>
+              <a:rPr lang="en-US" altLang="ja-JP" dirty="0" smtClean="0"/>
+            </a:br>
+            <a:r>
+              <a:rPr lang="en-US" altLang="ja-JP" dirty="0" smtClean="0"/>
+              <a:t/>
+            </a:r>
+            <a:br>
+              <a:rPr lang="en-US" altLang="ja-JP" dirty="0" smtClean="0"/>
+            </a:br>
+            <a:endParaRPr lang="en-US" altLang="ja-JP" dirty="0" smtClean="0"/>
+          </a:p>
+          <a:p>
+            <a:r>
+              <a:rPr lang="en-US" altLang="ja-JP" dirty="0" err="1" smtClean="0"/>
+              <a:t>Oauth_body_hash</a:t>
+            </a:r>
+            <a:r>
+              <a:rPr lang="ja-JP" altLang="en-US" dirty="0" smtClean="0"/>
+              <a:t>がないのが原因かと思われた。</a:t>
+            </a:r>
+            <a:r>
+              <a:rPr lang="en-US" altLang="ja-JP" dirty="0" smtClean="0"/>
+              <a:t/>
+            </a:r>
+            <a:br>
+              <a:rPr lang="en-US" altLang="ja-JP" dirty="0" smtClean="0"/>
+            </a:br>
+            <a:r>
+              <a:rPr lang="ja-JP" altLang="en-US" sz="2400" dirty="0" smtClean="0"/>
+              <a:t>ー実装したが解決せず</a:t>
+            </a:r>
+            <a:endParaRPr lang="en-US" altLang="ja-JP" sz="2400" dirty="0" smtClean="0"/>
+          </a:p>
+        </p:txBody>
+      </p:sp>
+      <p:sp>
+        <p:nvSpPr>
+          <p:cNvPr id="4" name="スライド番号プレースホルダー 3"/>
+          <p:cNvSpPr>
+            <a:spLocks noGrp="1"/>
+          </p:cNvSpPr>
+          <p:nvPr>
+            <p:ph type="sldNum" sz="quarter" idx="12"/>
+          </p:nvPr>
+        </p:nvSpPr>
+        <p:spPr/>
+        <p:txBody>
+          <a:bodyPr/>
+          <a:lstStyle/>
+          <a:p>
+            <a:pPr algn="ctr"/>
+            <a:fld id="{CA23F248-F353-4F36-A746-B1953A38AE2D}" type="slidenum">
+              <a:rPr lang="ja-JP" altLang="en-US" smtClean="0"/>
+              <a:pPr algn="ctr"/>
+              <a:t>14</a:t>
+            </a:fld>
+            <a:endParaRPr lang="ja-JP" altLang="en-US" dirty="0"/>
+          </a:p>
+        </p:txBody>
+      </p:sp>
+    </p:spTree>
+    <p:extLst>
+      <p:ext uri="{BB962C8B-B14F-4D97-AF65-F5344CB8AC3E}">
+        <p14:creationId xmlns:p14="http://schemas.microsoft.com/office/powerpoint/2010/main" val="619384940"/>
+      </p:ext>
+    </p:extLst>
+  </p:cSld>
+  <p:clrMapOvr>
+    <a:masterClrMapping/>
+  </p:clrMapOvr>
+</p:sld>
+</file>
+
+<file path=ppt/slides/slide15.xml><?xml version="1.0" encoding="utf-8"?>
+<p:sld xmlns:a="http://schemas.openxmlformats.org/drawingml/2006/main" xmlns:r="http://schemas.openxmlformats.org/officeDocument/2006/relationships" xmlns:p="http://schemas.openxmlformats.org/presentationml/2006/main">
+  <p:cSld>
+    <p:spTree>
+      <p:nvGrpSpPr>
+        <p:cNvPr id="1" name=""/>
+        <p:cNvGrpSpPr/>
+        <p:nvPr/>
+      </p:nvGrpSpPr>
+      <p:grpSpPr>
+        <a:xfrm>
+          <a:off x="0" y="0"/>
+          <a:ext cx="0" cy="0"/>
+          <a:chOff x="0" y="0"/>
+          <a:chExt cx="0" cy="0"/>
+        </a:xfrm>
+      </p:grpSpPr>
+      <p:sp>
+        <p:nvSpPr>
+          <p:cNvPr id="2" name="タイトル 1">
+            <a:extLst>
+              <a:ext uri="{FF2B5EF4-FFF2-40B4-BE49-F238E27FC236}">
+                <a16:creationId xmlns="" xmlns:a16="http://schemas.microsoft.com/office/drawing/2014/main" id="{77D43AAB-D305-6A4E-A67A-80F82EF49847}"/>
+              </a:ext>
+            </a:extLst>
+          </p:cNvPr>
+          <p:cNvSpPr>
+            <a:spLocks noGrp="1"/>
+          </p:cNvSpPr>
+          <p:nvPr>
+            <p:ph type="title"/>
+          </p:nvPr>
+        </p:nvSpPr>
+        <p:spPr/>
+        <p:txBody>
+          <a:bodyPr/>
+          <a:lstStyle/>
+          <a:p>
+            <a:r>
+              <a:rPr kumimoji="1" lang="ja-JP" altLang="en-US"/>
+              <a:t>課題</a:t>
+            </a:r>
+          </a:p>
+        </p:txBody>
+      </p:sp>
+      <p:sp>
+        <p:nvSpPr>
+          <p:cNvPr id="3" name="コンテンツ プレースホルダー 2">
+            <a:extLst>
+              <a:ext uri="{FF2B5EF4-FFF2-40B4-BE49-F238E27FC236}">
+                <a16:creationId xmlns="" xmlns:a16="http://schemas.microsoft.com/office/drawing/2014/main" id="{DCE643E7-0186-A04B-AE2B-D5079E121E43}"/>
+              </a:ext>
+            </a:extLst>
+          </p:cNvPr>
+          <p:cNvSpPr>
+            <a:spLocks noGrp="1"/>
+          </p:cNvSpPr>
+          <p:nvPr>
+            <p:ph idx="1"/>
+          </p:nvPr>
+        </p:nvSpPr>
+        <p:spPr/>
+        <p:txBody>
+          <a:bodyPr/>
+          <a:lstStyle/>
+          <a:p>
+            <a:r>
+              <a:rPr kumimoji="1" lang="ja-JP" altLang="en-US" dirty="0"/>
+              <a:t>シミュレータ</a:t>
+            </a:r>
+            <a:endParaRPr kumimoji="1" lang="en-US" altLang="ja-JP" dirty="0"/>
+          </a:p>
+          <a:p>
+            <a:pPr lvl="1"/>
+            <a:r>
+              <a:rPr lang="ja-JP" altLang="en-US" dirty="0"/>
+              <a:t>シミュレータのとりあえずの完成</a:t>
+            </a:r>
+            <a:endParaRPr lang="en-US" altLang="ja-JP" dirty="0"/>
+          </a:p>
+          <a:p>
+            <a:endParaRPr kumimoji="1" lang="en-US" altLang="ja-JP" dirty="0"/>
+          </a:p>
+          <a:p>
+            <a:r>
+              <a:rPr lang="en-US" altLang="ja-JP" dirty="0" smtClean="0"/>
+              <a:t>LTI</a:t>
+            </a:r>
+            <a:br>
+              <a:rPr lang="en-US" altLang="ja-JP" dirty="0" smtClean="0"/>
+            </a:br>
+            <a:r>
+              <a:rPr lang="ja-JP" altLang="en-US" sz="2800" dirty="0" smtClean="0"/>
+              <a:t>ーエラーの原因を見つけ、対応する</a:t>
+            </a:r>
+            <a:endParaRPr lang="en-US" altLang="ja-JP" sz="2800" dirty="0"/>
+          </a:p>
+        </p:txBody>
+      </p:sp>
+      <p:sp>
+        <p:nvSpPr>
+          <p:cNvPr id="4" name="スライド番号プレースホルダー 3">
+            <a:extLst>
+              <a:ext uri="{FF2B5EF4-FFF2-40B4-BE49-F238E27FC236}">
+                <a16:creationId xmlns="" xmlns:a16="http://schemas.microsoft.com/office/drawing/2014/main" id="{3BB256E6-9E9C-6845-A873-E8865CFFD4ED}"/>
+              </a:ext>
+            </a:extLst>
+          </p:cNvPr>
+          <p:cNvSpPr>
+            <a:spLocks noGrp="1"/>
+          </p:cNvSpPr>
+          <p:nvPr>
+            <p:ph type="sldNum" sz="quarter" idx="12"/>
+          </p:nvPr>
+        </p:nvSpPr>
+        <p:spPr/>
+        <p:txBody>
+          <a:bodyPr/>
+          <a:lstStyle/>
+          <a:p>
+            <a:pPr algn="ctr"/>
+            <a:fld id="{CA23F248-F353-4F36-A746-B1953A38AE2D}" type="slidenum">
+              <a:rPr lang="ja-JP" altLang="en-US" smtClean="0"/>
+              <a:pPr algn="ctr"/>
+              <a:t>15</a:t>
+            </a:fld>
+            <a:endParaRPr lang="ja-JP" altLang="en-US" dirty="0"/>
+          </a:p>
+        </p:txBody>
+      </p:sp>
+    </p:spTree>
+    <p:extLst>
+      <p:ext uri="{BB962C8B-B14F-4D97-AF65-F5344CB8AC3E}">
+        <p14:creationId xmlns:p14="http://schemas.microsoft.com/office/powerpoint/2010/main" val="3987539462"/>
       </p:ext>
     </p:extLst>
   </p:cSld>
@@ -3970,7 +4822,7 @@
           <p:cNvPr id="2" name="タイトル 1">
             <a:extLst>
               <a:ext uri="{FF2B5EF4-FFF2-40B4-BE49-F238E27FC236}">
-                <a16:creationId xmlns:a16="http://schemas.microsoft.com/office/drawing/2014/main" id="{F8505D96-62F9-C844-ABC5-C7470A127334}"/>
+                <a16:creationId xmlns="" xmlns:a16="http://schemas.microsoft.com/office/drawing/2014/main" id="{F8505D96-62F9-C844-ABC5-C7470A127334}"/>
               </a:ext>
             </a:extLst>
           </p:cNvPr>
@@ -3998,7 +4850,7 @@
           <p:cNvPr id="3" name="コンテンツ プレースホルダー 2">
             <a:extLst>
               <a:ext uri="{FF2B5EF4-FFF2-40B4-BE49-F238E27FC236}">
-                <a16:creationId xmlns:a16="http://schemas.microsoft.com/office/drawing/2014/main" id="{CA7E3FDF-3782-D34C-9064-A8D5D3896FB8}"/>
+                <a16:creationId xmlns="" xmlns:a16="http://schemas.microsoft.com/office/drawing/2014/main" id="{CA7E3FDF-3782-D34C-9064-A8D5D3896FB8}"/>
               </a:ext>
             </a:extLst>
           </p:cNvPr>
@@ -4071,7 +4923,7 @@
           <p:cNvPr id="4" name="スライド番号プレースホルダー 3">
             <a:extLst>
               <a:ext uri="{FF2B5EF4-FFF2-40B4-BE49-F238E27FC236}">
-                <a16:creationId xmlns:a16="http://schemas.microsoft.com/office/drawing/2014/main" id="{FF1E9095-558E-5E45-B58E-58C56F2B52A0}"/>
+                <a16:creationId xmlns="" xmlns:a16="http://schemas.microsoft.com/office/drawing/2014/main" id="{FF1E9095-558E-5E45-B58E-58C56F2B52A0}"/>
               </a:ext>
             </a:extLst>
           </p:cNvPr>
@@ -4132,7 +4984,7 @@
           <p:cNvPr id="2" name="タイトル 1">
             <a:extLst>
               <a:ext uri="{FF2B5EF4-FFF2-40B4-BE49-F238E27FC236}">
-                <a16:creationId xmlns:a16="http://schemas.microsoft.com/office/drawing/2014/main" id="{932EFD54-482B-4B4E-B788-2A144EF38327}"/>
+                <a16:creationId xmlns="" xmlns:a16="http://schemas.microsoft.com/office/drawing/2014/main" id="{932EFD54-482B-4B4E-B788-2A144EF38327}"/>
               </a:ext>
             </a:extLst>
           </p:cNvPr>
@@ -4160,7 +5012,7 @@
           <p:cNvPr id="3" name="コンテンツ プレースホルダー 2">
             <a:extLst>
               <a:ext uri="{FF2B5EF4-FFF2-40B4-BE49-F238E27FC236}">
-                <a16:creationId xmlns:a16="http://schemas.microsoft.com/office/drawing/2014/main" id="{994A766C-8680-BB4F-B4F3-59EEBFA10037}"/>
+                <a16:creationId xmlns="" xmlns:a16="http://schemas.microsoft.com/office/drawing/2014/main" id="{994A766C-8680-BB4F-B4F3-59EEBFA10037}"/>
               </a:ext>
             </a:extLst>
           </p:cNvPr>
@@ -4264,7 +5116,7 @@
           <p:cNvPr id="4" name="スライド番号プレースホルダー 3">
             <a:extLst>
               <a:ext uri="{FF2B5EF4-FFF2-40B4-BE49-F238E27FC236}">
-                <a16:creationId xmlns:a16="http://schemas.microsoft.com/office/drawing/2014/main" id="{21894FF6-85B5-254E-B282-B4028CA034BD}"/>
+                <a16:creationId xmlns="" xmlns:a16="http://schemas.microsoft.com/office/drawing/2014/main" id="{21894FF6-85B5-254E-B282-B4028CA034BD}"/>
               </a:ext>
             </a:extLst>
           </p:cNvPr>
@@ -4325,7 +5177,7 @@
           <p:cNvPr id="2" name="タイトル 1">
             <a:extLst>
               <a:ext uri="{FF2B5EF4-FFF2-40B4-BE49-F238E27FC236}">
-                <a16:creationId xmlns:a16="http://schemas.microsoft.com/office/drawing/2014/main" id="{2BB4353A-FF25-EF44-ADFF-2FF938CA5415}"/>
+                <a16:creationId xmlns="" xmlns:a16="http://schemas.microsoft.com/office/drawing/2014/main" id="{2BB4353A-FF25-EF44-ADFF-2FF938CA5415}"/>
               </a:ext>
             </a:extLst>
           </p:cNvPr>
@@ -4355,7 +5207,7 @@
           <p:cNvPr id="3" name="コンテンツ プレースホルダー 2">
             <a:extLst>
               <a:ext uri="{FF2B5EF4-FFF2-40B4-BE49-F238E27FC236}">
-                <a16:creationId xmlns:a16="http://schemas.microsoft.com/office/drawing/2014/main" id="{8B6542ED-2634-104C-A5D2-85605F93B6C6}"/>
+                <a16:creationId xmlns="" xmlns:a16="http://schemas.microsoft.com/office/drawing/2014/main" id="{8B6542ED-2634-104C-A5D2-85605F93B6C6}"/>
               </a:ext>
             </a:extLst>
           </p:cNvPr>
@@ -4404,7 +5256,7 @@
           <p:cNvPr id="4" name="スライド番号プレースホルダー 3">
             <a:extLst>
               <a:ext uri="{FF2B5EF4-FFF2-40B4-BE49-F238E27FC236}">
-                <a16:creationId xmlns:a16="http://schemas.microsoft.com/office/drawing/2014/main" id="{CEA273BE-E250-324D-9023-851A223BBF13}"/>
+                <a16:creationId xmlns="" xmlns:a16="http://schemas.microsoft.com/office/drawing/2014/main" id="{CEA273BE-E250-324D-9023-851A223BBF13}"/>
               </a:ext>
             </a:extLst>
           </p:cNvPr>
@@ -4465,7 +5317,7 @@
           <p:cNvPr id="2" name="タイトル 1">
             <a:extLst>
               <a:ext uri="{FF2B5EF4-FFF2-40B4-BE49-F238E27FC236}">
-                <a16:creationId xmlns:a16="http://schemas.microsoft.com/office/drawing/2014/main" id="{E206371E-AC6F-B84B-9B36-BD77DF14B6C3}"/>
+                <a16:creationId xmlns="" xmlns:a16="http://schemas.microsoft.com/office/drawing/2014/main" id="{E206371E-AC6F-B84B-9B36-BD77DF14B6C3}"/>
               </a:ext>
             </a:extLst>
           </p:cNvPr>
@@ -4493,7 +5345,7 @@
           <p:cNvPr id="3" name="コンテンツ プレースホルダー 2">
             <a:extLst>
               <a:ext uri="{FF2B5EF4-FFF2-40B4-BE49-F238E27FC236}">
-                <a16:creationId xmlns:a16="http://schemas.microsoft.com/office/drawing/2014/main" id="{372CE0FA-B72B-2941-92B7-384584D2DF3D}"/>
+                <a16:creationId xmlns="" xmlns:a16="http://schemas.microsoft.com/office/drawing/2014/main" id="{372CE0FA-B72B-2941-92B7-384584D2DF3D}"/>
               </a:ext>
             </a:extLst>
           </p:cNvPr>
@@ -4551,7 +5403,7 @@
           <p:cNvPr id="4" name="スライド番号プレースホルダー 3">
             <a:extLst>
               <a:ext uri="{FF2B5EF4-FFF2-40B4-BE49-F238E27FC236}">
-                <a16:creationId xmlns:a16="http://schemas.microsoft.com/office/drawing/2014/main" id="{0444D308-71DD-4548-9D14-F3CC8FD74C63}"/>
+                <a16:creationId xmlns="" xmlns:a16="http://schemas.microsoft.com/office/drawing/2014/main" id="{0444D308-71DD-4548-9D14-F3CC8FD74C63}"/>
               </a:ext>
             </a:extLst>
           </p:cNvPr>
@@ -4612,7 +5464,7 @@
           <p:cNvPr id="2" name="タイトル 1">
             <a:extLst>
               <a:ext uri="{FF2B5EF4-FFF2-40B4-BE49-F238E27FC236}">
-                <a16:creationId xmlns:a16="http://schemas.microsoft.com/office/drawing/2014/main" id="{60E3A75F-6528-4C41-88D0-92DA36EB6F0C}"/>
+                <a16:creationId xmlns="" xmlns:a16="http://schemas.microsoft.com/office/drawing/2014/main" id="{60E3A75F-6528-4C41-88D0-92DA36EB6F0C}"/>
               </a:ext>
             </a:extLst>
           </p:cNvPr>
@@ -4644,7 +5496,7 @@
           <p:cNvPr id="3" name="コンテンツ プレースホルダー 2">
             <a:extLst>
               <a:ext uri="{FF2B5EF4-FFF2-40B4-BE49-F238E27FC236}">
-                <a16:creationId xmlns:a16="http://schemas.microsoft.com/office/drawing/2014/main" id="{1F660BF4-802A-7349-911E-9BDF359265DA}"/>
+                <a16:creationId xmlns="" xmlns:a16="http://schemas.microsoft.com/office/drawing/2014/main" id="{1F660BF4-802A-7349-911E-9BDF359265DA}"/>
               </a:ext>
             </a:extLst>
           </p:cNvPr>
@@ -4732,7 +5584,7 @@
           <p:cNvPr id="4" name="スライド番号プレースホルダー 3">
             <a:extLst>
               <a:ext uri="{FF2B5EF4-FFF2-40B4-BE49-F238E27FC236}">
-                <a16:creationId xmlns:a16="http://schemas.microsoft.com/office/drawing/2014/main" id="{B19D2AEB-B464-C647-ADE5-D843165BEB75}"/>
+                <a16:creationId xmlns="" xmlns:a16="http://schemas.microsoft.com/office/drawing/2014/main" id="{B19D2AEB-B464-C647-ADE5-D843165BEB75}"/>
               </a:ext>
             </a:extLst>
           </p:cNvPr>
@@ -4793,7 +5645,7 @@
           <p:cNvPr id="2" name="タイトル 1">
             <a:extLst>
               <a:ext uri="{FF2B5EF4-FFF2-40B4-BE49-F238E27FC236}">
-                <a16:creationId xmlns:a16="http://schemas.microsoft.com/office/drawing/2014/main" id="{590AF775-2312-0C48-9001-25A0CD71F35A}"/>
+                <a16:creationId xmlns="" xmlns:a16="http://schemas.microsoft.com/office/drawing/2014/main" id="{590AF775-2312-0C48-9001-25A0CD71F35A}"/>
               </a:ext>
             </a:extLst>
           </p:cNvPr>
@@ -4825,7 +5677,7 @@
           <p:cNvPr id="3" name="コンテンツ プレースホルダー 2">
             <a:extLst>
               <a:ext uri="{FF2B5EF4-FFF2-40B4-BE49-F238E27FC236}">
-                <a16:creationId xmlns:a16="http://schemas.microsoft.com/office/drawing/2014/main" id="{9FB429AB-1875-F64F-B6B6-CA505ADFF97B}"/>
+                <a16:creationId xmlns="" xmlns:a16="http://schemas.microsoft.com/office/drawing/2014/main" id="{9FB429AB-1875-F64F-B6B6-CA505ADFF97B}"/>
               </a:ext>
             </a:extLst>
           </p:cNvPr>
@@ -4891,7 +5743,7 @@
           <p:cNvPr id="4" name="スライド番号プレースホルダー 3">
             <a:extLst>
               <a:ext uri="{FF2B5EF4-FFF2-40B4-BE49-F238E27FC236}">
-                <a16:creationId xmlns:a16="http://schemas.microsoft.com/office/drawing/2014/main" id="{9B53A13C-913B-5B4E-B3AA-CBE93EC34036}"/>
+                <a16:creationId xmlns="" xmlns:a16="http://schemas.microsoft.com/office/drawing/2014/main" id="{9B53A13C-913B-5B4E-B3AA-CBE93EC34036}"/>
               </a:ext>
             </a:extLst>
           </p:cNvPr>
@@ -4952,7 +5804,7 @@
           <p:cNvPr id="2" name="タイトル 1">
             <a:extLst>
               <a:ext uri="{FF2B5EF4-FFF2-40B4-BE49-F238E27FC236}">
-                <a16:creationId xmlns:a16="http://schemas.microsoft.com/office/drawing/2014/main" id="{9FF8343E-D153-4040-92AC-3DF3B3DE1C25}"/>
+                <a16:creationId xmlns="" xmlns:a16="http://schemas.microsoft.com/office/drawing/2014/main" id="{9FF8343E-D153-4040-92AC-3DF3B3DE1C25}"/>
               </a:ext>
             </a:extLst>
           </p:cNvPr>
@@ -4984,7 +5836,7 @@
           <p:cNvPr id="3" name="コンテンツ プレースホルダー 2">
             <a:extLst>
               <a:ext uri="{FF2B5EF4-FFF2-40B4-BE49-F238E27FC236}">
-                <a16:creationId xmlns:a16="http://schemas.microsoft.com/office/drawing/2014/main" id="{87F15569-A93D-4742-8CDB-8BF63248C584}"/>
+                <a16:creationId xmlns="" xmlns:a16="http://schemas.microsoft.com/office/drawing/2014/main" id="{87F15569-A93D-4742-8CDB-8BF63248C584}"/>
               </a:ext>
             </a:extLst>
           </p:cNvPr>
@@ -5080,7 +5932,7 @@
           <p:cNvPr id="4" name="スライド番号プレースホルダー 3">
             <a:extLst>
               <a:ext uri="{FF2B5EF4-FFF2-40B4-BE49-F238E27FC236}">
-                <a16:creationId xmlns:a16="http://schemas.microsoft.com/office/drawing/2014/main" id="{EF7105FA-D4F2-EE4C-B0AD-2EC411B9BA41}"/>
+                <a16:creationId xmlns="" xmlns:a16="http://schemas.microsoft.com/office/drawing/2014/main" id="{EF7105FA-D4F2-EE4C-B0AD-2EC411B9BA41}"/>
               </a:ext>
             </a:extLst>
           </p:cNvPr>
@@ -5138,13 +5990,7 @@
       </p:grpSpPr>
       <p:sp>
         <p:nvSpPr>
-          <p:cNvPr id="2" name="タイトル 1">
-            <a:extLst>
-              <a:ext uri="{FF2B5EF4-FFF2-40B4-BE49-F238E27FC236}">
-                <a16:creationId xmlns:a16="http://schemas.microsoft.com/office/drawing/2014/main" id="{77D43AAB-D305-6A4E-A67A-80F82EF49847}"/>
-              </a:ext>
-            </a:extLst>
-          </p:cNvPr>
+          <p:cNvPr id="2" name="タイトル 1"/>
           <p:cNvSpPr>
             <a:spLocks noGrp="1"/>
           </p:cNvSpPr>
@@ -5158,21 +6004,20 @@
           <a:lstStyle/>
           <a:p>
             <a:r>
-              <a:rPr kumimoji="1" lang="ja-JP" altLang="en-US"/>
-              <a:t>課題</a:t>
-            </a:r>
-          </a:p>
-        </p:txBody>
-      </p:sp>
-      <p:sp>
-        <p:nvSpPr>
-          <p:cNvPr id="3" name="コンテンツ プレースホルダー 2">
-            <a:extLst>
-              <a:ext uri="{FF2B5EF4-FFF2-40B4-BE49-F238E27FC236}">
-                <a16:creationId xmlns:a16="http://schemas.microsoft.com/office/drawing/2014/main" id="{DCE643E7-0186-A04B-AE2B-D5079E121E43}"/>
-              </a:ext>
-            </a:extLst>
-          </p:cNvPr>
+              <a:rPr kumimoji="1" lang="en-US" altLang="ja-JP" dirty="0" smtClean="0"/>
+              <a:t>LTI</a:t>
+            </a:r>
+            <a:r>
+              <a:rPr kumimoji="1" lang="ja-JP" altLang="en-US" dirty="0" smtClean="0"/>
+              <a:t>の進捗</a:t>
+            </a:r>
+            <a:endParaRPr kumimoji="1" lang="ja-JP" altLang="en-US" dirty="0"/>
+          </a:p>
+        </p:txBody>
+      </p:sp>
+      <p:sp>
+        <p:nvSpPr>
+          <p:cNvPr id="3" name="コンテンツ プレースホルダー 2"/>
           <p:cNvSpPr>
             <a:spLocks noGrp="1"/>
           </p:cNvSpPr>
@@ -5186,40 +6031,38 @@
           <a:lstStyle/>
           <a:p>
             <a:r>
-              <a:rPr kumimoji="1" lang="ja-JP" altLang="en-US"/>
-              <a:t>シミュレータ</a:t>
-            </a:r>
-            <a:endParaRPr kumimoji="1" lang="en-US" altLang="ja-JP" dirty="0"/>
-          </a:p>
-          <a:p>
-            <a:pPr lvl="1"/>
-            <a:r>
-              <a:rPr lang="ja-JP" altLang="en-US"/>
-              <a:t>シミュレータのとりあえずの完成</a:t>
-            </a:r>
-            <a:endParaRPr lang="en-US" altLang="ja-JP" dirty="0"/>
-          </a:p>
-          <a:p>
-            <a:endParaRPr kumimoji="1" lang="en-US" altLang="ja-JP" dirty="0"/>
-          </a:p>
-          <a:p>
-            <a:r>
-              <a:rPr lang="en-US" altLang="ja-JP"/>
-              <a:t>LTI</a:t>
-            </a:r>
-            <a:endParaRPr lang="en-US" altLang="ja-JP" dirty="0"/>
-          </a:p>
-        </p:txBody>
-      </p:sp>
-      <p:sp>
-        <p:nvSpPr>
-          <p:cNvPr id="4" name="スライド番号プレースホルダー 3">
-            <a:extLst>
-              <a:ext uri="{FF2B5EF4-FFF2-40B4-BE49-F238E27FC236}">
-                <a16:creationId xmlns:a16="http://schemas.microsoft.com/office/drawing/2014/main" id="{3BB256E6-9E9C-6845-A873-E8865CFFD4ED}"/>
-              </a:ext>
-            </a:extLst>
-          </p:cNvPr>
+              <a:rPr kumimoji="1" lang="en-US" altLang="ja-JP" dirty="0" smtClean="0"/>
+              <a:t>Moodle</a:t>
+            </a:r>
+            <a:r>
+              <a:rPr kumimoji="1" lang="ja-JP" altLang="en-US" dirty="0" smtClean="0"/>
+              <a:t>の導入</a:t>
+            </a:r>
+            <a:endParaRPr kumimoji="1" lang="en-US" altLang="ja-JP" dirty="0" smtClean="0"/>
+          </a:p>
+          <a:p>
+            <a:r>
+              <a:rPr lang="en-US" altLang="ja-JP" dirty="0" err="1" smtClean="0"/>
+              <a:t>Moodle,Canvas</a:t>
+            </a:r>
+            <a:r>
+              <a:rPr lang="ja-JP" altLang="en-US" dirty="0" smtClean="0"/>
+              <a:t>でチュートリアルの再現</a:t>
+            </a:r>
+            <a:endParaRPr lang="en-US" altLang="ja-JP" dirty="0" smtClean="0"/>
+          </a:p>
+          <a:p>
+            <a:r>
+              <a:rPr kumimoji="1" lang="ja-JP" altLang="en-US" dirty="0" smtClean="0"/>
+              <a:t>失った一週間の進捗部分を取り戻した</a:t>
+            </a:r>
+            <a:endParaRPr kumimoji="1" lang="en-US" altLang="ja-JP" dirty="0" smtClean="0"/>
+          </a:p>
+        </p:txBody>
+      </p:sp>
+      <p:sp>
+        <p:nvSpPr>
+          <p:cNvPr id="4" name="スライド番号プレースホルダー 3"/>
           <p:cNvSpPr>
             <a:spLocks noGrp="1"/>
           </p:cNvSpPr>
@@ -5245,7 +6088,7 @@
     </p:spTree>
     <p:extLst>
       <p:ext uri="{BB962C8B-B14F-4D97-AF65-F5344CB8AC3E}">
-        <p14:creationId xmlns:p14="http://schemas.microsoft.com/office/powerpoint/2010/main" val="3987539462"/>
+        <p14:creationId xmlns:p14="http://schemas.microsoft.com/office/powerpoint/2010/main" val="1860837784"/>
       </p:ext>
     </p:extLst>
   </p:cSld>

--- a/1203(numa)進捗.pptx
+++ b/1203(numa)進捗.pptx
@@ -3899,7 +3899,22 @@
             </a:r>
             <a:r>
               <a:rPr lang="ja-JP" altLang="en-US" dirty="0"/>
-              <a:t>に準拠したネットワーク学習システムの開発</a:t>
+              <a:t>に準拠</a:t>
+            </a:r>
+            <a:r>
+              <a:rPr lang="ja-JP" altLang="en-US"/>
+              <a:t>したネットワーク</a:t>
+            </a:r>
+            <a:br>
+              <a:rPr lang="en-US" altLang="ja-JP"/>
+            </a:br>
+            <a:r>
+              <a:rPr lang="ja-JP" altLang="en-US"/>
+              <a:t>学習</a:t>
+            </a:r>
+            <a:r>
+              <a:rPr lang="ja-JP" altLang="en-US" dirty="0"/>
+              <a:t>システムの開発</a:t>
             </a:r>
             <a:endParaRPr kumimoji="1" lang="ja-JP" altLang="en-US" dirty="0"/>
           </a:p>
